--- a/static/Course_Modularization/Markov models/Slides/MarkovModelVariants_CDC2021.pptx
+++ b/static/Course_Modularization/Markov models/Slides/MarkovModelVariants_CDC2021.pptx
@@ -212,7 +212,7 @@
           <a:p>
             <a:fld id="{80022054-F6B9-B04E-9F80-BE6C2BED9348}" type="datetimeFigureOut">
               <a:rPr lang="en-US" smtClean="0"/>
-              <a:t>2021-11-26</a:t>
+              <a:t>12/15/21</a:t>
             </a:fld>
             <a:endParaRPr lang="en-US"/>
           </a:p>
@@ -1435,7 +1435,7 @@
           <a:p>
             <a:fld id="{5BA465BA-58CD-5648-8542-F88D33A1D558}" type="datetime1">
               <a:rPr lang="en-US" smtClean="0"/>
-              <a:t>2021-11-26</a:t>
+              <a:t>12/15/21</a:t>
             </a:fld>
             <a:endParaRPr lang="en-US"/>
           </a:p>
@@ -1768,7 +1768,7 @@
           <a:p>
             <a:fld id="{E0285D2B-991D-6E41-96CD-86451D0EA8B6}" type="datetime1">
               <a:rPr lang="en-US" smtClean="0"/>
-              <a:t>2021-11-26</a:t>
+              <a:t>12/15/21</a:t>
             </a:fld>
             <a:endParaRPr lang="en-US"/>
           </a:p>
@@ -1952,7 +1952,7 @@
           <a:p>
             <a:fld id="{F58F080E-3479-FC41-A03E-486F34AFEBA5}" type="datetime1">
               <a:rPr lang="en-US" smtClean="0"/>
-              <a:t>2021-11-26</a:t>
+              <a:t>12/15/21</a:t>
             </a:fld>
             <a:endParaRPr lang="en-US"/>
           </a:p>
@@ -2142,7 +2142,7 @@
           <a:p>
             <a:fld id="{90A8F86B-5CB0-B646-932F-A77CEECF201B}" type="datetime1">
               <a:rPr lang="en-US" smtClean="0"/>
-              <a:t>2021-11-26</a:t>
+              <a:t>12/15/21</a:t>
             </a:fld>
             <a:endParaRPr lang="en-US"/>
           </a:p>
@@ -2294,7 +2294,7 @@
           <a:p>
             <a:fld id="{752AF0E9-FBC0-8F4F-83B9-AB34FBD396A5}" type="datetime1">
               <a:rPr lang="en-US" smtClean="0"/>
-              <a:t>2021-11-26</a:t>
+              <a:t>12/15/21</a:t>
             </a:fld>
             <a:endParaRPr lang="en-US"/>
           </a:p>
@@ -2569,7 +2569,7 @@
           <a:p>
             <a:fld id="{22F5944B-3964-1344-B4B0-FFFD5323E0E7}" type="datetime1">
               <a:rPr lang="en-US" smtClean="0"/>
-              <a:t>2021-11-26</a:t>
+              <a:t>12/15/21</a:t>
             </a:fld>
             <a:endParaRPr/>
           </a:p>
@@ -3523,7 +3523,7 @@
           <a:p>
             <a:fld id="{C85DF245-8919-D744-8B83-42A2D27B59A3}" type="datetime1">
               <a:rPr lang="en-US" smtClean="0"/>
-              <a:t>2021-11-26</a:t>
+              <a:t>12/15/21</a:t>
             </a:fld>
             <a:endParaRPr lang="en-US"/>
           </a:p>
@@ -3561,7 +3561,7 @@
           <a:noFill/>
           <a:extLst>
             <a:ext uri="{909E8E84-426E-40dd-AFC4-6F175D3DCCD1}">
-              <a14:hiddenFill xmlns="" xmlns:a14="http://schemas.microsoft.com/office/drawing/2010/main">
+              <a14:hiddenFill xmlns:a14="http://schemas.microsoft.com/office/drawing/2010/main" xmlns="">
                 <a:solidFill>
                   <a:srgbClr val="FFFFFF"/>
                 </a:solidFill>
@@ -3602,7 +3602,7 @@
           <a:noFill/>
           <a:extLst>
             <a:ext uri="{909E8E84-426E-40dd-AFC4-6F175D3DCCD1}">
-              <a14:hiddenFill xmlns="" xmlns:a14="http://schemas.microsoft.com/office/drawing/2010/main">
+              <a14:hiddenFill xmlns:a14="http://schemas.microsoft.com/office/drawing/2010/main" xmlns="">
                 <a:solidFill>
                   <a:srgbClr val="FFFFFF"/>
                 </a:solidFill>
@@ -4185,7 +4185,7 @@
           <a:noFill/>
           <a:extLst>
             <a:ext uri="{909E8E84-426E-40dd-AFC4-6F175D3DCCD1}">
-              <a14:hiddenFill xmlns="" xmlns:a14="http://schemas.microsoft.com/office/drawing/2010/main">
+              <a14:hiddenFill xmlns:a14="http://schemas.microsoft.com/office/drawing/2010/main" xmlns="">
                 <a:solidFill>
                   <a:srgbClr val="FFFFFF"/>
                 </a:solidFill>
@@ -4224,7 +4224,7 @@
           <a:noFill/>
           <a:extLst>
             <a:ext uri="{909E8E84-426E-40dd-AFC4-6F175D3DCCD1}">
-              <a14:hiddenFill xmlns="" xmlns:a14="http://schemas.microsoft.com/office/drawing/2010/main">
+              <a14:hiddenFill xmlns:a14="http://schemas.microsoft.com/office/drawing/2010/main" xmlns="">
                 <a:solidFill>
                   <a:srgbClr val="FFFFFF"/>
                 </a:solidFill>
@@ -4887,7 +4887,7 @@
           <a:noFill/>
           <a:extLst>
             <a:ext uri="{909E8E84-426E-40dd-AFC4-6F175D3DCCD1}">
-              <a14:hiddenFill xmlns="" xmlns:a14="http://schemas.microsoft.com/office/drawing/2010/main">
+              <a14:hiddenFill xmlns:a14="http://schemas.microsoft.com/office/drawing/2010/main" xmlns="">
                 <a:solidFill>
                   <a:srgbClr val="FFFFFF"/>
                 </a:solidFill>
@@ -4934,7 +4934,7 @@
           <a:noFill/>
           <a:extLst>
             <a:ext uri="{909E8E84-426E-40dd-AFC4-6F175D3DCCD1}">
-              <a14:hiddenFill xmlns="" xmlns:a14="http://schemas.microsoft.com/office/drawing/2010/main">
+              <a14:hiddenFill xmlns:a14="http://schemas.microsoft.com/office/drawing/2010/main" xmlns="">
                 <a:solidFill>
                   <a:srgbClr val="FFFFFF"/>
                 </a:solidFill>
@@ -4985,14 +4985,14 @@
           <a:effectLst/>
           <a:extLst>
             <a:ext uri="{909E8E84-426E-40dd-AFC4-6F175D3DCCD1}">
-              <a14:hiddenFill xmlns="" xmlns:a14="http://schemas.microsoft.com/office/drawing/2010/main">
+              <a14:hiddenFill xmlns:a14="http://schemas.microsoft.com/office/drawing/2010/main" xmlns="">
                 <a:solidFill>
                   <a:schemeClr val="accent1"/>
                 </a:solidFill>
               </a14:hiddenFill>
             </a:ext>
             <a:ext uri="{91240B29-F687-4f45-9708-019B960494DF}">
-              <a14:hiddenLine xmlns="" xmlns:a14="http://schemas.microsoft.com/office/drawing/2010/main" w="9525">
+              <a14:hiddenLine xmlns:a14="http://schemas.microsoft.com/office/drawing/2010/main" xmlns="" w="9525">
                 <a:solidFill>
                   <a:schemeClr val="tx1"/>
                 </a:solidFill>
@@ -5002,7 +5002,7 @@
               </a14:hiddenLine>
             </a:ext>
             <a:ext uri="{AF507438-7753-43e0-B8FC-AC1667EBCBE1}">
-              <a14:hiddenEffects xmlns="" xmlns:a14="http://schemas.microsoft.com/office/drawing/2010/main">
+              <a14:hiddenEffects xmlns:a14="http://schemas.microsoft.com/office/drawing/2010/main" xmlns="">
                 <a:effectLst>
                   <a:outerShdw dist="35921" dir="2700000" algn="ctr" rotWithShape="0">
                     <a:schemeClr val="bg2"/>
@@ -5055,14 +5055,14 @@
           <a:effectLst/>
           <a:extLst>
             <a:ext uri="{909E8E84-426E-40dd-AFC4-6F175D3DCCD1}">
-              <a14:hiddenFill xmlns="" xmlns:a14="http://schemas.microsoft.com/office/drawing/2010/main">
+              <a14:hiddenFill xmlns:a14="http://schemas.microsoft.com/office/drawing/2010/main" xmlns="">
                 <a:solidFill>
                   <a:schemeClr val="accent1"/>
                 </a:solidFill>
               </a14:hiddenFill>
             </a:ext>
             <a:ext uri="{91240B29-F687-4f45-9708-019B960494DF}">
-              <a14:hiddenLine xmlns="" xmlns:a14="http://schemas.microsoft.com/office/drawing/2010/main" w="9525">
+              <a14:hiddenLine xmlns:a14="http://schemas.microsoft.com/office/drawing/2010/main" xmlns="" w="9525">
                 <a:solidFill>
                   <a:schemeClr val="tx1"/>
                 </a:solidFill>
@@ -5072,7 +5072,7 @@
               </a14:hiddenLine>
             </a:ext>
             <a:ext uri="{AF507438-7753-43e0-B8FC-AC1667EBCBE1}">
-              <a14:hiddenEffects xmlns="" xmlns:a14="http://schemas.microsoft.com/office/drawing/2010/main">
+              <a14:hiddenEffects xmlns:a14="http://schemas.microsoft.com/office/drawing/2010/main" xmlns="">
                 <a:effectLst>
                   <a:outerShdw dist="35921" dir="2700000" algn="ctr" rotWithShape="0">
                     <a:schemeClr val="bg2"/>
@@ -5399,7 +5399,7 @@
           <a:noFill/>
           <a:extLst>
             <a:ext uri="{909E8E84-426E-40dd-AFC4-6F175D3DCCD1}">
-              <a14:hiddenFill xmlns="" xmlns:a14="http://schemas.microsoft.com/office/drawing/2010/main">
+              <a14:hiddenFill xmlns:a14="http://schemas.microsoft.com/office/drawing/2010/main" xmlns="">
                 <a:solidFill>
                   <a:srgbClr val="FFFFFF"/>
                 </a:solidFill>
@@ -5438,7 +5438,7 @@
           <a:noFill/>
           <a:extLst>
             <a:ext uri="{909E8E84-426E-40dd-AFC4-6F175D3DCCD1}">
-              <a14:hiddenFill xmlns="" xmlns:a14="http://schemas.microsoft.com/office/drawing/2010/main">
+              <a14:hiddenFill xmlns:a14="http://schemas.microsoft.com/office/drawing/2010/main" xmlns="">
                 <a:solidFill>
                   <a:srgbClr val="FFFFFF"/>
                 </a:solidFill>
@@ -5660,7 +5660,7 @@
           <a:noFill/>
           <a:extLst>
             <a:ext uri="{909E8E84-426E-40dd-AFC4-6F175D3DCCD1}">
-              <a14:hiddenFill xmlns="" xmlns:a14="http://schemas.microsoft.com/office/drawing/2010/main">
+              <a14:hiddenFill xmlns:a14="http://schemas.microsoft.com/office/drawing/2010/main" xmlns="">
                 <a:solidFill>
                   <a:srgbClr val="FFFFFF"/>
                 </a:solidFill>
@@ -5707,7 +5707,7 @@
           <a:noFill/>
           <a:extLst>
             <a:ext uri="{909E8E84-426E-40dd-AFC4-6F175D3DCCD1}">
-              <a14:hiddenFill xmlns="" xmlns:a14="http://schemas.microsoft.com/office/drawing/2010/main">
+              <a14:hiddenFill xmlns:a14="http://schemas.microsoft.com/office/drawing/2010/main" xmlns="">
                 <a:solidFill>
                   <a:srgbClr val="FFFFFF"/>
                 </a:solidFill>
@@ -5758,14 +5758,14 @@
           <a:effectLst/>
           <a:extLst>
             <a:ext uri="{909E8E84-426E-40dd-AFC4-6F175D3DCCD1}">
-              <a14:hiddenFill xmlns="" xmlns:a14="http://schemas.microsoft.com/office/drawing/2010/main">
+              <a14:hiddenFill xmlns:a14="http://schemas.microsoft.com/office/drawing/2010/main" xmlns="">
                 <a:solidFill>
                   <a:schemeClr val="accent1"/>
                 </a:solidFill>
               </a14:hiddenFill>
             </a:ext>
             <a:ext uri="{91240B29-F687-4f45-9708-019B960494DF}">
-              <a14:hiddenLine xmlns="" xmlns:a14="http://schemas.microsoft.com/office/drawing/2010/main" w="9525">
+              <a14:hiddenLine xmlns:a14="http://schemas.microsoft.com/office/drawing/2010/main" xmlns="" w="9525">
                 <a:solidFill>
                   <a:schemeClr val="tx1"/>
                 </a:solidFill>
@@ -5775,7 +5775,7 @@
               </a14:hiddenLine>
             </a:ext>
             <a:ext uri="{AF507438-7753-43e0-B8FC-AC1667EBCBE1}">
-              <a14:hiddenEffects xmlns="" xmlns:a14="http://schemas.microsoft.com/office/drawing/2010/main">
+              <a14:hiddenEffects xmlns:a14="http://schemas.microsoft.com/office/drawing/2010/main" xmlns="">
                 <a:effectLst>
                   <a:outerShdw dist="35921" dir="2700000" algn="ctr" rotWithShape="0">
                     <a:schemeClr val="bg2"/>
@@ -5828,14 +5828,14 @@
           <a:effectLst/>
           <a:extLst>
             <a:ext uri="{909E8E84-426E-40dd-AFC4-6F175D3DCCD1}">
-              <a14:hiddenFill xmlns="" xmlns:a14="http://schemas.microsoft.com/office/drawing/2010/main">
+              <a14:hiddenFill xmlns:a14="http://schemas.microsoft.com/office/drawing/2010/main" xmlns="">
                 <a:solidFill>
                   <a:schemeClr val="accent1"/>
                 </a:solidFill>
               </a14:hiddenFill>
             </a:ext>
             <a:ext uri="{91240B29-F687-4f45-9708-019B960494DF}">
-              <a14:hiddenLine xmlns="" xmlns:a14="http://schemas.microsoft.com/office/drawing/2010/main" w="9525">
+              <a14:hiddenLine xmlns:a14="http://schemas.microsoft.com/office/drawing/2010/main" xmlns="" w="9525">
                 <a:solidFill>
                   <a:schemeClr val="tx1"/>
                 </a:solidFill>
@@ -5845,7 +5845,7 @@
               </a14:hiddenLine>
             </a:ext>
             <a:ext uri="{AF507438-7753-43e0-B8FC-AC1667EBCBE1}">
-              <a14:hiddenEffects xmlns="" xmlns:a14="http://schemas.microsoft.com/office/drawing/2010/main">
+              <a14:hiddenEffects xmlns:a14="http://schemas.microsoft.com/office/drawing/2010/main" xmlns="">
                 <a:effectLst>
                   <a:outerShdw dist="35921" dir="2700000" algn="ctr" rotWithShape="0">
                     <a:schemeClr val="bg2"/>
@@ -6021,7 +6021,7 @@
           <a:p>
             <a:fld id="{6DBFE1C1-52FA-014F-9922-AD9C38F32A04}" type="datetime1">
               <a:rPr lang="en-US" smtClean="0"/>
-              <a:t>2021-11-26</a:t>
+              <a:t>12/15/21</a:t>
             </a:fld>
             <a:endParaRPr lang="en-US"/>
           </a:p>
@@ -6278,7 +6278,7 @@
           <a:p>
             <a:fld id="{830C0508-C174-C448-A4A5-EBBC728F1201}" type="datetime1">
               <a:rPr lang="en-US" smtClean="0"/>
-              <a:t>2021-11-26</a:t>
+              <a:t>12/15/21</a:t>
             </a:fld>
             <a:endParaRPr lang="en-US"/>
           </a:p>
@@ -6582,7 +6582,7 @@
           <a:p>
             <a:fld id="{D89347E7-97B4-2F43-A642-30C7025187B7}" type="datetime1">
               <a:rPr lang="en-US" smtClean="0"/>
-              <a:t>2021-11-26</a:t>
+              <a:t>12/15/21</a:t>
             </a:fld>
             <a:endParaRPr lang="en-US"/>
           </a:p>
@@ -7031,7 +7031,7 @@
           <a:p>
             <a:fld id="{5A6B9EDF-33B7-3446-A774-F418080B35CF}" type="datetime1">
               <a:rPr lang="en-US" smtClean="0"/>
-              <a:t>2021-11-26</a:t>
+              <a:t>12/15/21</a:t>
             </a:fld>
             <a:endParaRPr lang="en-US"/>
           </a:p>
@@ -7165,7 +7165,7 @@
           <a:p>
             <a:fld id="{3856A1F0-64A3-774A-BEF5-0BB470A3FBCB}" type="datetime1">
               <a:rPr lang="en-US" smtClean="0"/>
-              <a:t>2021-11-26</a:t>
+              <a:t>12/15/21</a:t>
             </a:fld>
             <a:endParaRPr lang="en-US"/>
           </a:p>
@@ -7271,7 +7271,7 @@
           <a:p>
             <a:fld id="{7BF604F8-C7C2-9244-A9D0-D4B3019D66AA}" type="datetime1">
               <a:rPr lang="en-US" smtClean="0"/>
-              <a:t>2021-11-26</a:t>
+              <a:t>12/15/21</a:t>
             </a:fld>
             <a:endParaRPr lang="en-US"/>
           </a:p>
@@ -7620,7 +7620,7 @@
           <a:p>
             <a:fld id="{26A15BF6-4530-D64B-83B9-5FF391B1AA81}" type="datetime1">
               <a:rPr lang="en-US" smtClean="0"/>
-              <a:t>2021-11-26</a:t>
+              <a:t>12/15/21</a:t>
             </a:fld>
             <a:endParaRPr lang="en-US"/>
           </a:p>
@@ -10560,12 +10560,41 @@
           </a:p>
         </p:txBody>
       </p:sp>
+      <p:sp>
+        <p:nvSpPr>
+          <p:cNvPr id="5" name="Slide Number Placeholder 4">
+            <a:extLst>
+              <a:ext uri="{FF2B5EF4-FFF2-40B4-BE49-F238E27FC236}">
+                <a16:creationId xmlns:a16="http://schemas.microsoft.com/office/drawing/2014/main" id="{EC218EBE-8CD5-C548-BAC1-41BD5E8BE69D}"/>
+              </a:ext>
+            </a:extLst>
+          </p:cNvPr>
+          <p:cNvSpPr>
+            <a:spLocks noGrp="1"/>
+          </p:cNvSpPr>
+          <p:nvPr>
+            <p:ph type="sldNum" sz="quarter" idx="12"/>
+          </p:nvPr>
+        </p:nvSpPr>
+        <p:spPr/>
+        <p:txBody>
+          <a:bodyPr/>
+          <a:lstStyle/>
+          <a:p>
+            <a:fld id="{0798D939-2D9E-2142-A80A-FFDECD1E5A9B}" type="slidenum">
+              <a:rPr lang="en-US" smtClean="0"/>
+              <a:t>12</a:t>
+            </a:fld>
+            <a:endParaRPr lang="en-US"/>
+          </a:p>
+        </p:txBody>
+      </p:sp>
       <p:pic>
         <p:nvPicPr>
-          <p:cNvPr id="4" name="Picture 3">
+          <p:cNvPr id="6" name="Picture 5">
             <a:extLst>
               <a:ext uri="{FF2B5EF4-FFF2-40B4-BE49-F238E27FC236}">
-                <a16:creationId xmlns:a16="http://schemas.microsoft.com/office/drawing/2014/main" id="{CBC91326-13A8-7A4E-8A04-16C414B3FACC}"/>
+                <a16:creationId xmlns:a16="http://schemas.microsoft.com/office/drawing/2014/main" id="{E9545D25-E5F4-DE43-9904-5A91E0BFA93D}"/>
               </a:ext>
             </a:extLst>
           </p:cNvPr>
@@ -10582,43 +10611,14 @@
         </p:blipFill>
         <p:spPr>
           <a:xfrm>
-            <a:off x="999581" y="3011318"/>
-            <a:ext cx="8076687" cy="3711215"/>
+            <a:off x="690581" y="3034345"/>
+            <a:ext cx="7919702" cy="3523744"/>
           </a:xfrm>
           <a:prstGeom prst="rect">
             <a:avLst/>
           </a:prstGeom>
         </p:spPr>
       </p:pic>
-      <p:sp>
-        <p:nvSpPr>
-          <p:cNvPr id="5" name="Slide Number Placeholder 4">
-            <a:extLst>
-              <a:ext uri="{FF2B5EF4-FFF2-40B4-BE49-F238E27FC236}">
-                <a16:creationId xmlns:a16="http://schemas.microsoft.com/office/drawing/2014/main" id="{EC218EBE-8CD5-C548-BAC1-41BD5E8BE69D}"/>
-              </a:ext>
-            </a:extLst>
-          </p:cNvPr>
-          <p:cNvSpPr>
-            <a:spLocks noGrp="1"/>
-          </p:cNvSpPr>
-          <p:nvPr>
-            <p:ph type="sldNum" sz="quarter" idx="12"/>
-          </p:nvPr>
-        </p:nvSpPr>
-        <p:spPr/>
-        <p:txBody>
-          <a:bodyPr/>
-          <a:lstStyle/>
-          <a:p>
-            <a:fld id="{0798D939-2D9E-2142-A80A-FFDECD1E5A9B}" type="slidenum">
-              <a:rPr lang="en-US" smtClean="0"/>
-              <a:t>12</a:t>
-            </a:fld>
-            <a:endParaRPr lang="en-US"/>
-          </a:p>
-        </p:txBody>
-      </p:sp>
     </p:spTree>
     <p:extLst>
       <p:ext uri="{BB962C8B-B14F-4D97-AF65-F5344CB8AC3E}">
@@ -11846,12 +11846,41 @@
           </p:sp>
         </mc:Fallback>
       </mc:AlternateContent>
+      <p:sp>
+        <p:nvSpPr>
+          <p:cNvPr id="6" name="Slide Number Placeholder 5">
+            <a:extLst>
+              <a:ext uri="{FF2B5EF4-FFF2-40B4-BE49-F238E27FC236}">
+                <a16:creationId xmlns:a16="http://schemas.microsoft.com/office/drawing/2014/main" id="{40C7104D-0C86-484F-842C-73BA039B070C}"/>
+              </a:ext>
+            </a:extLst>
+          </p:cNvPr>
+          <p:cNvSpPr>
+            <a:spLocks noGrp="1"/>
+          </p:cNvSpPr>
+          <p:nvPr>
+            <p:ph type="sldNum" sz="quarter" idx="12"/>
+          </p:nvPr>
+        </p:nvSpPr>
+        <p:spPr/>
+        <p:txBody>
+          <a:bodyPr/>
+          <a:lstStyle/>
+          <a:p>
+            <a:fld id="{0798D939-2D9E-2142-A80A-FFDECD1E5A9B}" type="slidenum">
+              <a:rPr lang="en-US" smtClean="0"/>
+              <a:t>5</a:t>
+            </a:fld>
+            <a:endParaRPr lang="en-US"/>
+          </a:p>
+        </p:txBody>
+      </p:sp>
       <p:pic>
         <p:nvPicPr>
-          <p:cNvPr id="5" name="Picture 4">
+          <p:cNvPr id="7" name="Picture 6">
             <a:extLst>
               <a:ext uri="{FF2B5EF4-FFF2-40B4-BE49-F238E27FC236}">
-                <a16:creationId xmlns:a16="http://schemas.microsoft.com/office/drawing/2014/main" id="{AC47DCBF-5F75-874A-B1BB-47BF990C0ADF}"/>
+                <a16:creationId xmlns:a16="http://schemas.microsoft.com/office/drawing/2014/main" id="{1DC803C9-6FCE-8247-917A-7FBCB46668E1}"/>
               </a:ext>
             </a:extLst>
           </p:cNvPr>
@@ -11868,43 +11897,14 @@
         </p:blipFill>
         <p:spPr>
           <a:xfrm>
-            <a:off x="840432" y="3550033"/>
-            <a:ext cx="7912725" cy="2867699"/>
+            <a:off x="1197661" y="3685737"/>
+            <a:ext cx="7636523" cy="2767599"/>
           </a:xfrm>
           <a:prstGeom prst="rect">
             <a:avLst/>
           </a:prstGeom>
         </p:spPr>
       </p:pic>
-      <p:sp>
-        <p:nvSpPr>
-          <p:cNvPr id="6" name="Slide Number Placeholder 5">
-            <a:extLst>
-              <a:ext uri="{FF2B5EF4-FFF2-40B4-BE49-F238E27FC236}">
-                <a16:creationId xmlns:a16="http://schemas.microsoft.com/office/drawing/2014/main" id="{40C7104D-0C86-484F-842C-73BA039B070C}"/>
-              </a:ext>
-            </a:extLst>
-          </p:cNvPr>
-          <p:cNvSpPr>
-            <a:spLocks noGrp="1"/>
-          </p:cNvSpPr>
-          <p:nvPr>
-            <p:ph type="sldNum" sz="quarter" idx="12"/>
-          </p:nvPr>
-        </p:nvSpPr>
-        <p:spPr/>
-        <p:txBody>
-          <a:bodyPr/>
-          <a:lstStyle/>
-          <a:p>
-            <a:fld id="{0798D939-2D9E-2142-A80A-FFDECD1E5A9B}" type="slidenum">
-              <a:rPr lang="en-US" smtClean="0"/>
-              <a:t>5</a:t>
-            </a:fld>
-            <a:endParaRPr lang="en-US"/>
-          </a:p>
-        </p:txBody>
-      </p:sp>
     </p:spTree>
     <p:extLst>
       <p:ext uri="{BB962C8B-B14F-4D97-AF65-F5344CB8AC3E}">
